--- a/Mental Health in Tech pres.pptx
+++ b/Mental Health in Tech pres.pptx
@@ -10,10 +10,18 @@
     <p:sldId id="259" r:id="rId4"/>
     <p:sldId id="264" r:id="rId5"/>
     <p:sldId id="258" r:id="rId6"/>
-    <p:sldId id="261" r:id="rId7"/>
-    <p:sldId id="263" r:id="rId8"/>
-    <p:sldId id="262" r:id="rId9"/>
-    <p:sldId id="260" r:id="rId10"/>
+    <p:sldId id="265" r:id="rId7"/>
+    <p:sldId id="266" r:id="rId8"/>
+    <p:sldId id="267" r:id="rId9"/>
+    <p:sldId id="268" r:id="rId10"/>
+    <p:sldId id="261" r:id="rId11"/>
+    <p:sldId id="269" r:id="rId12"/>
+    <p:sldId id="270" r:id="rId13"/>
+    <p:sldId id="271" r:id="rId14"/>
+    <p:sldId id="262" r:id="rId15"/>
+    <p:sldId id="272" r:id="rId16"/>
+    <p:sldId id="263" r:id="rId17"/>
+    <p:sldId id="260" r:id="rId18"/>
   </p:sldIdLst>
   <p:sldSz cx="9144000" cy="6858000" type="screen4x3"/>
   <p:notesSz cx="6858000" cy="9144000"/>
@@ -288,9 +296,9 @@
           <a:p>
             <a:fld id="{390BDA3A-D7E5-49FD-A006-63FC88727F84}" type="datetimeFigureOut">
               <a:rPr lang="en-US" smtClean="0"/>
-              <a:t>2/26/2018</a:t>
+              <a:t>4/24/2018</a:t>
             </a:fld>
-            <a:endParaRPr lang="en-US"/>
+            <a:endParaRPr lang="en-US" dirty="0"/>
           </a:p>
         </p:txBody>
       </p:sp>
@@ -309,7 +317,7 @@
           <a:bodyPr/>
           <a:lstStyle/>
           <a:p>
-            <a:endParaRPr lang="en-US"/>
+            <a:endParaRPr lang="en-US" dirty="0"/>
           </a:p>
         </p:txBody>
       </p:sp>
@@ -332,7 +340,7 @@
               <a:rPr lang="en-US" smtClean="0"/>
               <a:t>‹#›</a:t>
             </a:fld>
-            <a:endParaRPr lang="en-US"/>
+            <a:endParaRPr lang="en-US" dirty="0"/>
           </a:p>
         </p:txBody>
       </p:sp>
@@ -453,9 +461,9 @@
           <a:p>
             <a:fld id="{390BDA3A-D7E5-49FD-A006-63FC88727F84}" type="datetimeFigureOut">
               <a:rPr lang="en-US" smtClean="0"/>
-              <a:t>2/26/2018</a:t>
+              <a:t>4/24/2018</a:t>
             </a:fld>
-            <a:endParaRPr lang="en-US"/>
+            <a:endParaRPr lang="en-US" dirty="0"/>
           </a:p>
         </p:txBody>
       </p:sp>
@@ -474,7 +482,7 @@
           <a:bodyPr/>
           <a:lstStyle/>
           <a:p>
-            <a:endParaRPr lang="en-US"/>
+            <a:endParaRPr lang="en-US" dirty="0"/>
           </a:p>
         </p:txBody>
       </p:sp>
@@ -497,7 +505,7 @@
               <a:rPr lang="en-US" smtClean="0"/>
               <a:t>‹#›</a:t>
             </a:fld>
-            <a:endParaRPr lang="en-US"/>
+            <a:endParaRPr lang="en-US" dirty="0"/>
           </a:p>
         </p:txBody>
       </p:sp>
@@ -628,9 +636,9 @@
           <a:p>
             <a:fld id="{390BDA3A-D7E5-49FD-A006-63FC88727F84}" type="datetimeFigureOut">
               <a:rPr lang="en-US" smtClean="0"/>
-              <a:t>2/26/2018</a:t>
+              <a:t>4/24/2018</a:t>
             </a:fld>
-            <a:endParaRPr lang="en-US"/>
+            <a:endParaRPr lang="en-US" dirty="0"/>
           </a:p>
         </p:txBody>
       </p:sp>
@@ -649,7 +657,7 @@
           <a:bodyPr/>
           <a:lstStyle/>
           <a:p>
-            <a:endParaRPr lang="en-US"/>
+            <a:endParaRPr lang="en-US" dirty="0"/>
           </a:p>
         </p:txBody>
       </p:sp>
@@ -672,7 +680,7 @@
               <a:rPr lang="en-US" smtClean="0"/>
               <a:t>‹#›</a:t>
             </a:fld>
-            <a:endParaRPr lang="en-US"/>
+            <a:endParaRPr lang="en-US" dirty="0"/>
           </a:p>
         </p:txBody>
       </p:sp>
@@ -793,9 +801,9 @@
           <a:p>
             <a:fld id="{390BDA3A-D7E5-49FD-A006-63FC88727F84}" type="datetimeFigureOut">
               <a:rPr lang="en-US" smtClean="0"/>
-              <a:t>2/26/2018</a:t>
+              <a:t>4/24/2018</a:t>
             </a:fld>
-            <a:endParaRPr lang="en-US"/>
+            <a:endParaRPr lang="en-US" dirty="0"/>
           </a:p>
         </p:txBody>
       </p:sp>
@@ -814,7 +822,7 @@
           <a:bodyPr/>
           <a:lstStyle/>
           <a:p>
-            <a:endParaRPr lang="en-US"/>
+            <a:endParaRPr lang="en-US" dirty="0"/>
           </a:p>
         </p:txBody>
       </p:sp>
@@ -837,7 +845,7 @@
               <a:rPr lang="en-US" smtClean="0"/>
               <a:t>‹#›</a:t>
             </a:fld>
-            <a:endParaRPr lang="en-US"/>
+            <a:endParaRPr lang="en-US" dirty="0"/>
           </a:p>
         </p:txBody>
       </p:sp>
@@ -1035,9 +1043,9 @@
           <a:p>
             <a:fld id="{390BDA3A-D7E5-49FD-A006-63FC88727F84}" type="datetimeFigureOut">
               <a:rPr lang="en-US" smtClean="0"/>
-              <a:t>2/26/2018</a:t>
+              <a:t>4/24/2018</a:t>
             </a:fld>
-            <a:endParaRPr lang="en-US"/>
+            <a:endParaRPr lang="en-US" dirty="0"/>
           </a:p>
         </p:txBody>
       </p:sp>
@@ -1056,7 +1064,7 @@
           <a:bodyPr/>
           <a:lstStyle/>
           <a:p>
-            <a:endParaRPr lang="en-US"/>
+            <a:endParaRPr lang="en-US" dirty="0"/>
           </a:p>
         </p:txBody>
       </p:sp>
@@ -1079,7 +1087,7 @@
               <a:rPr lang="en-US" smtClean="0"/>
               <a:t>‹#›</a:t>
             </a:fld>
-            <a:endParaRPr lang="en-US"/>
+            <a:endParaRPr lang="en-US" dirty="0"/>
           </a:p>
         </p:txBody>
       </p:sp>
@@ -1299,9 +1307,9 @@
           <a:p>
             <a:fld id="{390BDA3A-D7E5-49FD-A006-63FC88727F84}" type="datetimeFigureOut">
               <a:rPr lang="en-US" smtClean="0"/>
-              <a:t>2/26/2018</a:t>
+              <a:t>4/24/2018</a:t>
             </a:fld>
-            <a:endParaRPr lang="en-US"/>
+            <a:endParaRPr lang="en-US" dirty="0"/>
           </a:p>
         </p:txBody>
       </p:sp>
@@ -1320,7 +1328,7 @@
           <a:bodyPr/>
           <a:lstStyle/>
           <a:p>
-            <a:endParaRPr lang="en-US"/>
+            <a:endParaRPr lang="en-US" dirty="0"/>
           </a:p>
         </p:txBody>
       </p:sp>
@@ -1343,7 +1351,7 @@
               <a:rPr lang="en-US" smtClean="0"/>
               <a:t>‹#›</a:t>
             </a:fld>
-            <a:endParaRPr lang="en-US"/>
+            <a:endParaRPr lang="en-US" dirty="0"/>
           </a:p>
         </p:txBody>
       </p:sp>
@@ -1677,9 +1685,9 @@
           <a:p>
             <a:fld id="{390BDA3A-D7E5-49FD-A006-63FC88727F84}" type="datetimeFigureOut">
               <a:rPr lang="en-US" smtClean="0"/>
-              <a:t>2/26/2018</a:t>
+              <a:t>4/24/2018</a:t>
             </a:fld>
-            <a:endParaRPr lang="en-US"/>
+            <a:endParaRPr lang="en-US" dirty="0"/>
           </a:p>
         </p:txBody>
       </p:sp>
@@ -1698,7 +1706,7 @@
           <a:bodyPr/>
           <a:lstStyle/>
           <a:p>
-            <a:endParaRPr lang="en-US"/>
+            <a:endParaRPr lang="en-US" dirty="0"/>
           </a:p>
         </p:txBody>
       </p:sp>
@@ -1721,7 +1729,7 @@
               <a:rPr lang="en-US" smtClean="0"/>
               <a:t>‹#›</a:t>
             </a:fld>
-            <a:endParaRPr lang="en-US"/>
+            <a:endParaRPr lang="en-US" dirty="0"/>
           </a:p>
         </p:txBody>
       </p:sp>
@@ -1827,9 +1835,9 @@
           <a:p>
             <a:fld id="{390BDA3A-D7E5-49FD-A006-63FC88727F84}" type="datetimeFigureOut">
               <a:rPr lang="en-US" smtClean="0"/>
-              <a:t>2/26/2018</a:t>
+              <a:t>4/24/2018</a:t>
             </a:fld>
-            <a:endParaRPr lang="en-US"/>
+            <a:endParaRPr lang="en-US" dirty="0"/>
           </a:p>
         </p:txBody>
       </p:sp>
@@ -1848,7 +1856,7 @@
           <a:bodyPr/>
           <a:lstStyle/>
           <a:p>
-            <a:endParaRPr lang="en-US"/>
+            <a:endParaRPr lang="en-US" dirty="0"/>
           </a:p>
         </p:txBody>
       </p:sp>
@@ -1871,7 +1879,7 @@
               <a:rPr lang="en-US" smtClean="0"/>
               <a:t>‹#›</a:t>
             </a:fld>
-            <a:endParaRPr lang="en-US"/>
+            <a:endParaRPr lang="en-US" dirty="0"/>
           </a:p>
         </p:txBody>
       </p:sp>
@@ -1917,9 +1925,9 @@
           <a:p>
             <a:fld id="{390BDA3A-D7E5-49FD-A006-63FC88727F84}" type="datetimeFigureOut">
               <a:rPr lang="en-US" smtClean="0"/>
-              <a:t>2/26/2018</a:t>
+              <a:t>4/24/2018</a:t>
             </a:fld>
-            <a:endParaRPr lang="en-US"/>
+            <a:endParaRPr lang="en-US" dirty="0"/>
           </a:p>
         </p:txBody>
       </p:sp>
@@ -1938,7 +1946,7 @@
           <a:bodyPr/>
           <a:lstStyle/>
           <a:p>
-            <a:endParaRPr lang="en-US"/>
+            <a:endParaRPr lang="en-US" dirty="0"/>
           </a:p>
         </p:txBody>
       </p:sp>
@@ -1961,7 +1969,7 @@
               <a:rPr lang="en-US" smtClean="0"/>
               <a:t>‹#›</a:t>
             </a:fld>
-            <a:endParaRPr lang="en-US"/>
+            <a:endParaRPr lang="en-US" dirty="0"/>
           </a:p>
         </p:txBody>
       </p:sp>
@@ -2178,9 +2186,9 @@
           <a:p>
             <a:fld id="{390BDA3A-D7E5-49FD-A006-63FC88727F84}" type="datetimeFigureOut">
               <a:rPr lang="en-US" smtClean="0"/>
-              <a:t>2/26/2018</a:t>
+              <a:t>4/24/2018</a:t>
             </a:fld>
-            <a:endParaRPr lang="en-US"/>
+            <a:endParaRPr lang="en-US" dirty="0"/>
           </a:p>
         </p:txBody>
       </p:sp>
@@ -2199,7 +2207,7 @@
           <a:bodyPr/>
           <a:lstStyle/>
           <a:p>
-            <a:endParaRPr lang="en-US"/>
+            <a:endParaRPr lang="en-US" dirty="0"/>
           </a:p>
         </p:txBody>
       </p:sp>
@@ -2222,7 +2230,7 @@
               <a:rPr lang="en-US" smtClean="0"/>
               <a:t>‹#›</a:t>
             </a:fld>
-            <a:endParaRPr lang="en-US"/>
+            <a:endParaRPr lang="en-US" dirty="0"/>
           </a:p>
         </p:txBody>
       </p:sp>
@@ -2304,7 +2312,7 @@
           <a:lstStyle/>
           <a:p>
             <a:pPr algn="ctr" eaLnBrk="1" latinLnBrk="0" hangingPunct="1"/>
-            <a:endParaRPr kumimoji="0" lang="en-US"/>
+            <a:endParaRPr kumimoji="0" lang="en-US" dirty="0"/>
           </a:p>
         </p:txBody>
       </p:sp>
@@ -2359,7 +2367,7 @@
           <a:lstStyle/>
           <a:p>
             <a:pPr algn="ctr" eaLnBrk="1" latinLnBrk="0" hangingPunct="1"/>
-            <a:endParaRPr kumimoji="0" lang="en-US"/>
+            <a:endParaRPr kumimoji="0" lang="en-US" dirty="0"/>
           </a:p>
         </p:txBody>
       </p:sp>
@@ -2466,9 +2474,9 @@
           <a:p>
             <a:fld id="{390BDA3A-D7E5-49FD-A006-63FC88727F84}" type="datetimeFigureOut">
               <a:rPr lang="en-US" smtClean="0"/>
-              <a:t>2/26/2018</a:t>
+              <a:t>4/24/2018</a:t>
             </a:fld>
-            <a:endParaRPr lang="en-US"/>
+            <a:endParaRPr lang="en-US" dirty="0"/>
           </a:p>
         </p:txBody>
       </p:sp>
@@ -2487,7 +2495,7 @@
           <a:bodyPr/>
           <a:lstStyle/>
           <a:p>
-            <a:endParaRPr lang="en-US"/>
+            <a:endParaRPr lang="en-US" dirty="0"/>
           </a:p>
         </p:txBody>
       </p:sp>
@@ -2515,7 +2523,7 @@
               <a:rPr lang="en-US" smtClean="0"/>
               <a:t>‹#›</a:t>
             </a:fld>
-            <a:endParaRPr lang="en-US"/>
+            <a:endParaRPr lang="en-US" dirty="0"/>
           </a:p>
         </p:txBody>
       </p:sp>
@@ -2558,7 +2566,7 @@
           </a:lstStyle>
           <a:p>
             <a:r>
-              <a:rPr kumimoji="0" lang="en-US" smtClean="0"/>
+              <a:rPr kumimoji="0" lang="en-US" dirty="0" smtClean="0"/>
               <a:t>Click icon to add picture</a:t>
             </a:r>
             <a:endParaRPr kumimoji="0" lang="en-US" dirty="0"/>
@@ -2697,7 +2705,7 @@
           <a:lstStyle/>
           <a:p>
             <a:pPr marL="0" algn="l" rtl="0" eaLnBrk="1" latinLnBrk="0" hangingPunct="1"/>
-            <a:endParaRPr kumimoji="0" lang="en-US">
+            <a:endParaRPr kumimoji="0" lang="en-US" dirty="0">
               <a:solidFill>
                 <a:schemeClr val="tx1"/>
               </a:solidFill>
@@ -2810,7 +2818,7 @@
           <a:lstStyle/>
           <a:p>
             <a:pPr marL="0" algn="l" rtl="0" eaLnBrk="1" latinLnBrk="0" hangingPunct="1"/>
-            <a:endParaRPr kumimoji="0" lang="en-US">
+            <a:endParaRPr kumimoji="0" lang="en-US" dirty="0">
               <a:solidFill>
                 <a:schemeClr val="tx1"/>
               </a:solidFill>
@@ -2983,7 +2991,7 @@
           <a:lstStyle/>
           <a:p>
             <a:pPr marL="0" algn="l" rtl="0" eaLnBrk="1" latinLnBrk="0" hangingPunct="1"/>
-            <a:endParaRPr kumimoji="0" lang="en-US">
+            <a:endParaRPr kumimoji="0" lang="en-US" dirty="0">
               <a:solidFill>
                 <a:schemeClr val="tx1"/>
               </a:solidFill>
@@ -3096,7 +3104,7 @@
           <a:lstStyle/>
           <a:p>
             <a:pPr marL="0" algn="l" rtl="0" eaLnBrk="1" latinLnBrk="0" hangingPunct="1"/>
-            <a:endParaRPr kumimoji="0" lang="en-US">
+            <a:endParaRPr kumimoji="0" lang="en-US" dirty="0">
               <a:solidFill>
                 <a:schemeClr val="tx1"/>
               </a:solidFill>
@@ -3237,9 +3245,9 @@
           <a:p>
             <a:fld id="{390BDA3A-D7E5-49FD-A006-63FC88727F84}" type="datetimeFigureOut">
               <a:rPr lang="en-US" smtClean="0"/>
-              <a:t>2/26/2018</a:t>
+              <a:t>4/24/2018</a:t>
             </a:fld>
-            <a:endParaRPr lang="en-US"/>
+            <a:endParaRPr lang="en-US" dirty="0"/>
           </a:p>
         </p:txBody>
       </p:sp>
@@ -3276,7 +3284,7 @@
             </a:lvl1pPr>
           </a:lstStyle>
           <a:p>
-            <a:endParaRPr lang="en-US"/>
+            <a:endParaRPr lang="en-US" dirty="0"/>
           </a:p>
         </p:txBody>
       </p:sp>
@@ -3317,7 +3325,7 @@
               <a:rPr lang="en-US" smtClean="0"/>
               <a:t>‹#›</a:t>
             </a:fld>
-            <a:endParaRPr lang="en-US"/>
+            <a:endParaRPr lang="en-US" dirty="0"/>
           </a:p>
         </p:txBody>
       </p:sp>
@@ -3433,7 +3441,7 @@
             <a:bodyPr vert="horz" wrap="square" lIns="91440" tIns="45720" rIns="91440" bIns="45720" anchor="t" compatLnSpc="1"/>
             <a:lstStyle/>
             <a:p>
-              <a:endParaRPr kumimoji="0" lang="en-US"/>
+              <a:endParaRPr kumimoji="0" lang="en-US" dirty="0"/>
             </a:p>
           </p:txBody>
         </p:sp>
@@ -3530,7 +3538,7 @@
             <a:bodyPr vert="horz" wrap="square" lIns="91440" tIns="45720" rIns="91440" bIns="45720" anchor="t" compatLnSpc="1"/>
             <a:lstStyle/>
             <a:p>
-              <a:endParaRPr kumimoji="0" lang="en-US"/>
+              <a:endParaRPr kumimoji="0" lang="en-US" dirty="0"/>
             </a:p>
           </p:txBody>
         </p:sp>
@@ -3934,6 +3942,794 @@
 </p:sld>
 </file>
 
+<file path=ppt/slides/slide10.xml><?xml version="1.0" encoding="utf-8"?>
+<p:sld xmlns:a="http://schemas.openxmlformats.org/drawingml/2006/main" xmlns:r="http://schemas.openxmlformats.org/officeDocument/2006/relationships" xmlns:p="http://schemas.openxmlformats.org/presentationml/2006/main">
+  <p:cSld>
+    <p:spTree>
+      <p:nvGrpSpPr>
+        <p:cNvPr id="1" name=""/>
+        <p:cNvGrpSpPr/>
+        <p:nvPr/>
+      </p:nvGrpSpPr>
+      <p:grpSpPr>
+        <a:xfrm>
+          <a:off x="0" y="0"/>
+          <a:ext cx="0" cy="0"/>
+          <a:chOff x="0" y="0"/>
+          <a:chExt cx="0" cy="0"/>
+        </a:xfrm>
+      </p:grpSpPr>
+      <p:sp>
+        <p:nvSpPr>
+          <p:cNvPr id="2" name="Title 1"/>
+          <p:cNvSpPr>
+            <a:spLocks noGrp="1"/>
+          </p:cNvSpPr>
+          <p:nvPr>
+            <p:ph type="title"/>
+          </p:nvPr>
+        </p:nvSpPr>
+        <p:spPr/>
+        <p:txBody>
+          <a:bodyPr/>
+          <a:lstStyle/>
+          <a:p>
+            <a:r>
+              <a:rPr lang="en-US" dirty="0" smtClean="0"/>
+              <a:t>Machine Learning </a:t>
+            </a:r>
+            <a:endParaRPr lang="en-US" dirty="0"/>
+          </a:p>
+        </p:txBody>
+      </p:sp>
+      <p:sp>
+        <p:nvSpPr>
+          <p:cNvPr id="3" name="Content Placeholder 2"/>
+          <p:cNvSpPr>
+            <a:spLocks noGrp="1"/>
+          </p:cNvSpPr>
+          <p:nvPr>
+            <p:ph idx="1"/>
+          </p:nvPr>
+        </p:nvSpPr>
+        <p:spPr/>
+        <p:txBody>
+          <a:bodyPr/>
+          <a:lstStyle/>
+          <a:p>
+            <a:r>
+              <a:rPr lang="en-US" dirty="0" smtClean="0"/>
+              <a:t>We will also analyze the tech and reporting data in order to find out how likely someone is to have a health issue and the odds that it will affect their work </a:t>
+            </a:r>
+          </a:p>
+          <a:p>
+            <a:r>
+              <a:rPr lang="en-US" dirty="0" smtClean="0"/>
+              <a:t>Also we will find the highest causes for the mental health issues</a:t>
+            </a:r>
+            <a:endParaRPr lang="en-US" dirty="0"/>
+          </a:p>
+        </p:txBody>
+      </p:sp>
+    </p:spTree>
+    <p:extLst>
+      <p:ext uri="{BB962C8B-B14F-4D97-AF65-F5344CB8AC3E}">
+        <p14:creationId xmlns:p14="http://schemas.microsoft.com/office/powerpoint/2010/main" val="1844706485"/>
+      </p:ext>
+    </p:extLst>
+  </p:cSld>
+  <p:clrMapOvr>
+    <a:masterClrMapping/>
+  </p:clrMapOvr>
+</p:sld>
+</file>
+
+<file path=ppt/slides/slide11.xml><?xml version="1.0" encoding="utf-8"?>
+<p:sld xmlns:a="http://schemas.openxmlformats.org/drawingml/2006/main" xmlns:r="http://schemas.openxmlformats.org/officeDocument/2006/relationships" xmlns:p="http://schemas.openxmlformats.org/presentationml/2006/main">
+  <p:cSld>
+    <p:spTree>
+      <p:nvGrpSpPr>
+        <p:cNvPr id="1" name=""/>
+        <p:cNvGrpSpPr/>
+        <p:nvPr/>
+      </p:nvGrpSpPr>
+      <p:grpSpPr>
+        <a:xfrm>
+          <a:off x="0" y="0"/>
+          <a:ext cx="0" cy="0"/>
+          <a:chOff x="0" y="0"/>
+          <a:chExt cx="0" cy="0"/>
+        </a:xfrm>
+      </p:grpSpPr>
+      <p:sp>
+        <p:nvSpPr>
+          <p:cNvPr id="2" name="Title 1"/>
+          <p:cNvSpPr>
+            <a:spLocks noGrp="1"/>
+          </p:cNvSpPr>
+          <p:nvPr>
+            <p:ph type="title"/>
+          </p:nvPr>
+        </p:nvSpPr>
+        <p:spPr/>
+        <p:txBody>
+          <a:bodyPr/>
+          <a:lstStyle/>
+          <a:p>
+            <a:r>
+              <a:rPr lang="en-US" dirty="0" smtClean="0"/>
+              <a:t>Indicators of Mental Health </a:t>
+            </a:r>
+            <a:endParaRPr lang="en-US" dirty="0"/>
+          </a:p>
+        </p:txBody>
+      </p:sp>
+      <p:pic>
+        <p:nvPicPr>
+          <p:cNvPr id="5122" name="Picture 2"/>
+          <p:cNvPicPr>
+            <a:picLocks noGrp="1" noChangeAspect="1" noChangeArrowheads="1"/>
+          </p:cNvPicPr>
+          <p:nvPr>
+            <p:ph idx="1"/>
+          </p:nvPr>
+        </p:nvPicPr>
+        <p:blipFill>
+          <a:blip r:embed="rId2">
+            <a:extLst>
+              <a:ext uri="{28A0092B-C50C-407E-A947-70E740481C1C}">
+                <a14:useLocalDpi xmlns:a14="http://schemas.microsoft.com/office/drawing/2010/main" val="0"/>
+              </a:ext>
+            </a:extLst>
+          </a:blip>
+          <a:srcRect/>
+          <a:stretch>
+            <a:fillRect/>
+          </a:stretch>
+        </p:blipFill>
+        <p:spPr bwMode="auto">
+          <a:xfrm>
+            <a:off x="380999" y="2133600"/>
+            <a:ext cx="7982113" cy="3657600"/>
+          </a:xfrm>
+          <a:prstGeom prst="rect">
+            <a:avLst/>
+          </a:prstGeom>
+          <a:noFill/>
+          <a:ln>
+            <a:noFill/>
+          </a:ln>
+          <a:extLst>
+            <a:ext uri="{909E8E84-426E-40DD-AFC4-6F175D3DCCD1}">
+              <a14:hiddenFill xmlns:a14="http://schemas.microsoft.com/office/drawing/2010/main">
+                <a:solidFill>
+                  <a:schemeClr val="accent1"/>
+                </a:solidFill>
+              </a14:hiddenFill>
+            </a:ext>
+            <a:ext uri="{91240B29-F687-4F45-9708-019B960494DF}">
+              <a14:hiddenLine xmlns:a14="http://schemas.microsoft.com/office/drawing/2010/main" w="9525">
+                <a:solidFill>
+                  <a:schemeClr val="tx1"/>
+                </a:solidFill>
+                <a:miter lim="800000"/>
+                <a:headEnd/>
+                <a:tailEnd/>
+              </a14:hiddenLine>
+            </a:ext>
+          </a:extLst>
+        </p:spPr>
+      </p:pic>
+    </p:spTree>
+    <p:extLst>
+      <p:ext uri="{BB962C8B-B14F-4D97-AF65-F5344CB8AC3E}">
+        <p14:creationId xmlns:p14="http://schemas.microsoft.com/office/powerpoint/2010/main" val="1302983290"/>
+      </p:ext>
+    </p:extLst>
+  </p:cSld>
+  <p:clrMapOvr>
+    <a:masterClrMapping/>
+  </p:clrMapOvr>
+</p:sld>
+</file>
+
+<file path=ppt/slides/slide12.xml><?xml version="1.0" encoding="utf-8"?>
+<p:sld xmlns:a="http://schemas.openxmlformats.org/drawingml/2006/main" xmlns:r="http://schemas.openxmlformats.org/officeDocument/2006/relationships" xmlns:p="http://schemas.openxmlformats.org/presentationml/2006/main">
+  <p:cSld>
+    <p:spTree>
+      <p:nvGrpSpPr>
+        <p:cNvPr id="1" name=""/>
+        <p:cNvGrpSpPr/>
+        <p:nvPr/>
+      </p:nvGrpSpPr>
+      <p:grpSpPr>
+        <a:xfrm>
+          <a:off x="0" y="0"/>
+          <a:ext cx="0" cy="0"/>
+          <a:chOff x="0" y="0"/>
+          <a:chExt cx="0" cy="0"/>
+        </a:xfrm>
+      </p:grpSpPr>
+      <p:sp>
+        <p:nvSpPr>
+          <p:cNvPr id="2" name="Title 1"/>
+          <p:cNvSpPr>
+            <a:spLocks noGrp="1"/>
+          </p:cNvSpPr>
+          <p:nvPr>
+            <p:ph type="title"/>
+          </p:nvPr>
+        </p:nvSpPr>
+        <p:spPr/>
+        <p:txBody>
+          <a:bodyPr/>
+          <a:lstStyle/>
+          <a:p>
+            <a:r>
+              <a:rPr lang="en-US" dirty="0" smtClean="0"/>
+              <a:t>Finding the Cost</a:t>
+            </a:r>
+            <a:endParaRPr lang="en-US" dirty="0"/>
+          </a:p>
+        </p:txBody>
+      </p:sp>
+      <p:sp>
+        <p:nvSpPr>
+          <p:cNvPr id="3" name="Content Placeholder 2"/>
+          <p:cNvSpPr>
+            <a:spLocks noGrp="1"/>
+          </p:cNvSpPr>
+          <p:nvPr>
+            <p:ph idx="1"/>
+          </p:nvPr>
+        </p:nvSpPr>
+        <p:spPr/>
+        <p:txBody>
+          <a:bodyPr/>
+          <a:lstStyle/>
+          <a:p>
+            <a:r>
+              <a:rPr lang="en-US" dirty="0" smtClean="0"/>
+              <a:t>In order to Find the mental cost of Mental health in Tech we need to find first the amount of workers in the field which we find from the US Labor Statistics</a:t>
+            </a:r>
+          </a:p>
+          <a:p>
+            <a:r>
+              <a:rPr lang="en-US" dirty="0" smtClean="0"/>
+              <a:t>Next find amount that are affected </a:t>
+            </a:r>
+          </a:p>
+          <a:p>
+            <a:r>
+              <a:rPr lang="en-US" dirty="0" smtClean="0"/>
+              <a:t>Then calculate the rate of interference </a:t>
+            </a:r>
+          </a:p>
+          <a:p>
+            <a:r>
+              <a:rPr lang="en-US" dirty="0" smtClean="0"/>
+              <a:t>Finally calculate cost of interference.</a:t>
+            </a:r>
+          </a:p>
+        </p:txBody>
+      </p:sp>
+    </p:spTree>
+    <p:extLst>
+      <p:ext uri="{BB962C8B-B14F-4D97-AF65-F5344CB8AC3E}">
+        <p14:creationId xmlns:p14="http://schemas.microsoft.com/office/powerpoint/2010/main" val="1900371715"/>
+      </p:ext>
+    </p:extLst>
+  </p:cSld>
+  <p:clrMapOvr>
+    <a:masterClrMapping/>
+  </p:clrMapOvr>
+</p:sld>
+</file>
+
+<file path=ppt/slides/slide13.xml><?xml version="1.0" encoding="utf-8"?>
+<p:sld xmlns:a="http://schemas.openxmlformats.org/drawingml/2006/main" xmlns:r="http://schemas.openxmlformats.org/officeDocument/2006/relationships" xmlns:p="http://schemas.openxmlformats.org/presentationml/2006/main">
+  <p:cSld>
+    <p:spTree>
+      <p:nvGrpSpPr>
+        <p:cNvPr id="1" name=""/>
+        <p:cNvGrpSpPr/>
+        <p:nvPr/>
+      </p:nvGrpSpPr>
+      <p:grpSpPr>
+        <a:xfrm>
+          <a:off x="0" y="0"/>
+          <a:ext cx="0" cy="0"/>
+          <a:chOff x="0" y="0"/>
+          <a:chExt cx="0" cy="0"/>
+        </a:xfrm>
+      </p:grpSpPr>
+      <p:sp>
+        <p:nvSpPr>
+          <p:cNvPr id="2" name="Title 1"/>
+          <p:cNvSpPr>
+            <a:spLocks noGrp="1"/>
+          </p:cNvSpPr>
+          <p:nvPr>
+            <p:ph type="title"/>
+          </p:nvPr>
+        </p:nvSpPr>
+        <p:spPr/>
+        <p:txBody>
+          <a:bodyPr/>
+          <a:lstStyle/>
+          <a:p>
+            <a:r>
+              <a:rPr lang="en-US" dirty="0" smtClean="0"/>
+              <a:t>The Values </a:t>
+            </a:r>
+            <a:endParaRPr lang="en-US" dirty="0"/>
+          </a:p>
+        </p:txBody>
+      </p:sp>
+      <p:sp>
+        <p:nvSpPr>
+          <p:cNvPr id="3" name="Content Placeholder 2"/>
+          <p:cNvSpPr>
+            <a:spLocks noGrp="1"/>
+          </p:cNvSpPr>
+          <p:nvPr>
+            <p:ph idx="1"/>
+          </p:nvPr>
+        </p:nvSpPr>
+        <p:spPr/>
+        <p:txBody>
+          <a:bodyPr/>
+          <a:lstStyle/>
+          <a:p>
+            <a:r>
+              <a:rPr lang="en-US" dirty="0" smtClean="0"/>
+              <a:t>Employees in tech 30,150,000</a:t>
+            </a:r>
+          </a:p>
+          <a:p>
+            <a:r>
+              <a:rPr lang="en-US" dirty="0" smtClean="0"/>
+              <a:t>% that seek treatment : 53</a:t>
+            </a:r>
+          </a:p>
+          <a:p>
+            <a:r>
+              <a:rPr lang="en-US" dirty="0" smtClean="0"/>
+              <a:t>Hours produced : 55,230,000</a:t>
+            </a:r>
+          </a:p>
+          <a:p>
+            <a:r>
+              <a:rPr lang="en-US" dirty="0" smtClean="0"/>
+              <a:t>Total $ generated: 3,378,640,000,000</a:t>
+            </a:r>
+          </a:p>
+          <a:p>
+            <a:r>
+              <a:rPr lang="en-US" dirty="0" smtClean="0"/>
+              <a:t>$ generated per hour: 6117.4 </a:t>
+            </a:r>
+          </a:p>
+          <a:p>
+            <a:r>
+              <a:rPr lang="en-US" dirty="0" smtClean="0"/>
+              <a:t>% workers that Mental health affects work: 65.6</a:t>
+            </a:r>
+          </a:p>
+          <a:p>
+            <a:endParaRPr lang="en-US" dirty="0" smtClean="0"/>
+          </a:p>
+          <a:p>
+            <a:pPr marL="0" indent="0">
+              <a:buNone/>
+            </a:pPr>
+            <a:r>
+              <a:rPr lang="en-US" dirty="0" smtClean="0"/>
+              <a:t> </a:t>
+            </a:r>
+          </a:p>
+        </p:txBody>
+      </p:sp>
+    </p:spTree>
+    <p:extLst>
+      <p:ext uri="{BB962C8B-B14F-4D97-AF65-F5344CB8AC3E}">
+        <p14:creationId xmlns:p14="http://schemas.microsoft.com/office/powerpoint/2010/main" val="756693302"/>
+      </p:ext>
+    </p:extLst>
+  </p:cSld>
+  <p:clrMapOvr>
+    <a:masterClrMapping/>
+  </p:clrMapOvr>
+</p:sld>
+</file>
+
+<file path=ppt/slides/slide14.xml><?xml version="1.0" encoding="utf-8"?>
+<p:sld xmlns:a="http://schemas.openxmlformats.org/drawingml/2006/main" xmlns:r="http://schemas.openxmlformats.org/officeDocument/2006/relationships" xmlns:p="http://schemas.openxmlformats.org/presentationml/2006/main">
+  <p:cSld>
+    <p:spTree>
+      <p:nvGrpSpPr>
+        <p:cNvPr id="1" name=""/>
+        <p:cNvGrpSpPr/>
+        <p:nvPr/>
+      </p:nvGrpSpPr>
+      <p:grpSpPr>
+        <a:xfrm>
+          <a:off x="0" y="0"/>
+          <a:ext cx="0" cy="0"/>
+          <a:chOff x="0" y="0"/>
+          <a:chExt cx="0" cy="0"/>
+        </a:xfrm>
+      </p:grpSpPr>
+      <p:sp>
+        <p:nvSpPr>
+          <p:cNvPr id="2" name="Title 1"/>
+          <p:cNvSpPr>
+            <a:spLocks noGrp="1"/>
+          </p:cNvSpPr>
+          <p:nvPr>
+            <p:ph type="title"/>
+          </p:nvPr>
+        </p:nvSpPr>
+        <p:spPr/>
+        <p:txBody>
+          <a:bodyPr/>
+          <a:lstStyle/>
+          <a:p>
+            <a:r>
+              <a:rPr lang="en-US" dirty="0" smtClean="0"/>
+              <a:t>Conclusions </a:t>
+            </a:r>
+            <a:endParaRPr lang="en-US" dirty="0"/>
+          </a:p>
+        </p:txBody>
+      </p:sp>
+      <p:sp>
+        <p:nvSpPr>
+          <p:cNvPr id="3" name="Content Placeholder 2"/>
+          <p:cNvSpPr>
+            <a:spLocks noGrp="1"/>
+          </p:cNvSpPr>
+          <p:nvPr>
+            <p:ph idx="1"/>
+          </p:nvPr>
+        </p:nvSpPr>
+        <p:spPr/>
+        <p:txBody>
+          <a:bodyPr/>
+          <a:lstStyle/>
+          <a:p>
+            <a:r>
+              <a:rPr lang="en-US" dirty="0" smtClean="0"/>
+              <a:t>As we have seen the rate of mental health is very prevalent</a:t>
+            </a:r>
+          </a:p>
+          <a:p>
+            <a:r>
+              <a:rPr lang="en-US" dirty="0" smtClean="0"/>
+              <a:t>The most common factors affecting mental health are </a:t>
+            </a:r>
+          </a:p>
+          <a:p>
+            <a:r>
+              <a:rPr lang="en-US" dirty="0" smtClean="0"/>
+              <a:t>It seems availability of coverage does help maintain both work interference and treatment </a:t>
+            </a:r>
+          </a:p>
+          <a:p>
+            <a:r>
+              <a:rPr lang="en-US" dirty="0" smtClean="0"/>
+              <a:t>It has a large factor affecting overall productivity by </a:t>
+            </a:r>
+          </a:p>
+          <a:p>
+            <a:r>
+              <a:rPr lang="en-US" dirty="0" smtClean="0"/>
+              <a:t>Gender plays a role in both affliction, treatment, and interference amount </a:t>
+            </a:r>
+            <a:endParaRPr lang="en-US" dirty="0" smtClean="0"/>
+          </a:p>
+          <a:p>
+            <a:r>
+              <a:rPr lang="en-US" dirty="0" smtClean="0"/>
+              <a:t>Estimated loss:  $4,905,375.26</a:t>
+            </a:r>
+            <a:endParaRPr lang="en-US" dirty="0"/>
+          </a:p>
+        </p:txBody>
+      </p:sp>
+    </p:spTree>
+    <p:extLst>
+      <p:ext uri="{BB962C8B-B14F-4D97-AF65-F5344CB8AC3E}">
+        <p14:creationId xmlns:p14="http://schemas.microsoft.com/office/powerpoint/2010/main" val="3895056339"/>
+      </p:ext>
+    </p:extLst>
+  </p:cSld>
+  <p:clrMapOvr>
+    <a:masterClrMapping/>
+  </p:clrMapOvr>
+</p:sld>
+</file>
+
+<file path=ppt/slides/slide15.xml><?xml version="1.0" encoding="utf-8"?>
+<p:sld xmlns:a="http://schemas.openxmlformats.org/drawingml/2006/main" xmlns:r="http://schemas.openxmlformats.org/officeDocument/2006/relationships" xmlns:p="http://schemas.openxmlformats.org/presentationml/2006/main">
+  <p:cSld>
+    <p:spTree>
+      <p:nvGrpSpPr>
+        <p:cNvPr id="1" name=""/>
+        <p:cNvGrpSpPr/>
+        <p:nvPr/>
+      </p:nvGrpSpPr>
+      <p:grpSpPr>
+        <a:xfrm>
+          <a:off x="0" y="0"/>
+          <a:ext cx="0" cy="0"/>
+          <a:chOff x="0" y="0"/>
+          <a:chExt cx="0" cy="0"/>
+        </a:xfrm>
+      </p:grpSpPr>
+      <p:sp>
+        <p:nvSpPr>
+          <p:cNvPr id="2" name="Title 1"/>
+          <p:cNvSpPr>
+            <a:spLocks noGrp="1"/>
+          </p:cNvSpPr>
+          <p:nvPr>
+            <p:ph type="title"/>
+          </p:nvPr>
+        </p:nvSpPr>
+        <p:spPr/>
+        <p:txBody>
+          <a:bodyPr/>
+          <a:lstStyle/>
+          <a:p>
+            <a:r>
+              <a:rPr lang="en-US" dirty="0" smtClean="0"/>
+              <a:t>Conclusions </a:t>
+            </a:r>
+            <a:endParaRPr lang="en-US" dirty="0"/>
+          </a:p>
+        </p:txBody>
+      </p:sp>
+      <p:sp>
+        <p:nvSpPr>
+          <p:cNvPr id="3" name="Content Placeholder 2"/>
+          <p:cNvSpPr>
+            <a:spLocks noGrp="1"/>
+          </p:cNvSpPr>
+          <p:nvPr>
+            <p:ph idx="1"/>
+          </p:nvPr>
+        </p:nvSpPr>
+        <p:spPr/>
+        <p:txBody>
+          <a:bodyPr/>
+          <a:lstStyle/>
+          <a:p>
+            <a:r>
+              <a:rPr lang="en-US" dirty="0" smtClean="0"/>
+              <a:t>With the rate of growth and the continued underrepresentation of admitting and reporting the cost of mental health will continue to rob  millions and billions of dollars in the </a:t>
+            </a:r>
+            <a:r>
+              <a:rPr lang="en-US" smtClean="0"/>
+              <a:t>tech industry.</a:t>
+            </a:r>
+            <a:endParaRPr lang="en-US" dirty="0"/>
+          </a:p>
+        </p:txBody>
+      </p:sp>
+    </p:spTree>
+    <p:extLst>
+      <p:ext uri="{BB962C8B-B14F-4D97-AF65-F5344CB8AC3E}">
+        <p14:creationId xmlns:p14="http://schemas.microsoft.com/office/powerpoint/2010/main" val="1935603450"/>
+      </p:ext>
+    </p:extLst>
+  </p:cSld>
+  <p:clrMapOvr>
+    <a:masterClrMapping/>
+  </p:clrMapOvr>
+</p:sld>
+</file>
+
+<file path=ppt/slides/slide16.xml><?xml version="1.0" encoding="utf-8"?>
+<p:sld xmlns:a="http://schemas.openxmlformats.org/drawingml/2006/main" xmlns:r="http://schemas.openxmlformats.org/officeDocument/2006/relationships" xmlns:p="http://schemas.openxmlformats.org/presentationml/2006/main">
+  <p:cSld>
+    <p:spTree>
+      <p:nvGrpSpPr>
+        <p:cNvPr id="1" name=""/>
+        <p:cNvGrpSpPr/>
+        <p:nvPr/>
+      </p:nvGrpSpPr>
+      <p:grpSpPr>
+        <a:xfrm>
+          <a:off x="0" y="0"/>
+          <a:ext cx="0" cy="0"/>
+          <a:chOff x="0" y="0"/>
+          <a:chExt cx="0" cy="0"/>
+        </a:xfrm>
+      </p:grpSpPr>
+      <p:sp>
+        <p:nvSpPr>
+          <p:cNvPr id="2" name="Title 1"/>
+          <p:cNvSpPr>
+            <a:spLocks noGrp="1"/>
+          </p:cNvSpPr>
+          <p:nvPr>
+            <p:ph type="title"/>
+          </p:nvPr>
+        </p:nvSpPr>
+        <p:spPr/>
+        <p:txBody>
+          <a:bodyPr>
+            <a:normAutofit fontScale="90000"/>
+          </a:bodyPr>
+          <a:lstStyle/>
+          <a:p>
+            <a:r>
+              <a:rPr lang="en-US" dirty="0" smtClean="0"/>
+              <a:t>Margins of Error and Further </a:t>
+            </a:r>
+            <a:r>
+              <a:rPr lang="en-US" dirty="0"/>
+              <a:t>S</a:t>
+            </a:r>
+            <a:r>
+              <a:rPr lang="en-US" dirty="0" smtClean="0"/>
+              <a:t>tudy</a:t>
+            </a:r>
+            <a:endParaRPr lang="en-US" dirty="0"/>
+          </a:p>
+        </p:txBody>
+      </p:sp>
+      <p:sp>
+        <p:nvSpPr>
+          <p:cNvPr id="3" name="Content Placeholder 2"/>
+          <p:cNvSpPr>
+            <a:spLocks noGrp="1"/>
+          </p:cNvSpPr>
+          <p:nvPr>
+            <p:ph idx="1"/>
+          </p:nvPr>
+        </p:nvSpPr>
+        <p:spPr/>
+        <p:txBody>
+          <a:bodyPr/>
+          <a:lstStyle/>
+          <a:p>
+            <a:r>
+              <a:rPr lang="en-US" dirty="0" smtClean="0"/>
+              <a:t>As with all self reporting data reporting bias can factor in as people do not want to admit issues they have or how much it affects them</a:t>
+            </a:r>
+          </a:p>
+          <a:p>
+            <a:r>
+              <a:rPr lang="en-US" dirty="0" smtClean="0"/>
+              <a:t>Codifying any reporting data can have issues in the integer values and can either cause over or underestimation</a:t>
+            </a:r>
+          </a:p>
+          <a:p>
+            <a:r>
+              <a:rPr lang="en-US" dirty="0" smtClean="0"/>
+              <a:t>Some areas of further study would be to look at global data as a whole to get a more comprehensive data and with the productivity data find other industry reports on mental health </a:t>
+            </a:r>
+          </a:p>
+          <a:p>
+            <a:endParaRPr lang="en-US" dirty="0"/>
+          </a:p>
+        </p:txBody>
+      </p:sp>
+    </p:spTree>
+    <p:extLst>
+      <p:ext uri="{BB962C8B-B14F-4D97-AF65-F5344CB8AC3E}">
+        <p14:creationId xmlns:p14="http://schemas.microsoft.com/office/powerpoint/2010/main" val="441500856"/>
+      </p:ext>
+    </p:extLst>
+  </p:cSld>
+  <p:clrMapOvr>
+    <a:masterClrMapping/>
+  </p:clrMapOvr>
+</p:sld>
+</file>
+
+<file path=ppt/slides/slide17.xml><?xml version="1.0" encoding="utf-8"?>
+<p:sld xmlns:a="http://schemas.openxmlformats.org/drawingml/2006/main" xmlns:r="http://schemas.openxmlformats.org/officeDocument/2006/relationships" xmlns:p="http://schemas.openxmlformats.org/presentationml/2006/main">
+  <p:cSld>
+    <p:spTree>
+      <p:nvGrpSpPr>
+        <p:cNvPr id="1" name=""/>
+        <p:cNvGrpSpPr/>
+        <p:nvPr/>
+      </p:nvGrpSpPr>
+      <p:grpSpPr>
+        <a:xfrm>
+          <a:off x="0" y="0"/>
+          <a:ext cx="0" cy="0"/>
+          <a:chOff x="0" y="0"/>
+          <a:chExt cx="0" cy="0"/>
+        </a:xfrm>
+      </p:grpSpPr>
+      <p:sp>
+        <p:nvSpPr>
+          <p:cNvPr id="2" name="Title 1"/>
+          <p:cNvSpPr>
+            <a:spLocks noGrp="1"/>
+          </p:cNvSpPr>
+          <p:nvPr>
+            <p:ph type="title"/>
+          </p:nvPr>
+        </p:nvSpPr>
+        <p:spPr/>
+        <p:txBody>
+          <a:bodyPr/>
+          <a:lstStyle/>
+          <a:p>
+            <a:r>
+              <a:rPr lang="en-US" dirty="0" smtClean="0"/>
+              <a:t>Bibliography </a:t>
+            </a:r>
+            <a:endParaRPr lang="en-US" dirty="0"/>
+          </a:p>
+        </p:txBody>
+      </p:sp>
+      <p:sp>
+        <p:nvSpPr>
+          <p:cNvPr id="3" name="Content Placeholder 2"/>
+          <p:cNvSpPr>
+            <a:spLocks noGrp="1"/>
+          </p:cNvSpPr>
+          <p:nvPr>
+            <p:ph idx="1"/>
+          </p:nvPr>
+        </p:nvSpPr>
+        <p:spPr/>
+        <p:txBody>
+          <a:bodyPr/>
+          <a:lstStyle/>
+          <a:p>
+            <a:r>
+              <a:rPr lang="en-US" dirty="0" smtClean="0"/>
+              <a:t>Data provided by the following sources:</a:t>
+            </a:r>
+          </a:p>
+          <a:p>
+            <a:r>
+              <a:rPr lang="en-US" dirty="0" smtClean="0"/>
+              <a:t>US Bureau of Labor </a:t>
+            </a:r>
+          </a:p>
+          <a:p>
+            <a:r>
+              <a:rPr lang="en-US" dirty="0" smtClean="0"/>
+              <a:t>IN OUT World organization</a:t>
+            </a:r>
+          </a:p>
+          <a:p>
+            <a:r>
+              <a:rPr lang="en-US" dirty="0" smtClean="0"/>
+              <a:t>National Association of Mental Health </a:t>
+            </a:r>
+          </a:p>
+          <a:p>
+            <a:r>
+              <a:rPr lang="en-US" dirty="0" smtClean="0"/>
+              <a:t>Kaggle</a:t>
+            </a:r>
+            <a:endParaRPr lang="en-US" dirty="0"/>
+          </a:p>
+        </p:txBody>
+      </p:sp>
+    </p:spTree>
+    <p:extLst>
+      <p:ext uri="{BB962C8B-B14F-4D97-AF65-F5344CB8AC3E}">
+        <p14:creationId xmlns:p14="http://schemas.microsoft.com/office/powerpoint/2010/main" val="1692276959"/>
+      </p:ext>
+    </p:extLst>
+  </p:cSld>
+  <p:clrMapOvr>
+    <a:masterClrMapping/>
+  </p:clrMapOvr>
+</p:sld>
+</file>
+
 <file path=ppt/slides/slide2.xml><?xml version="1.0" encoding="utf-8"?>
 <p:sld xmlns:a="http://schemas.openxmlformats.org/drawingml/2006/main" xmlns:r="http://schemas.openxmlformats.org/officeDocument/2006/relationships" xmlns:p="http://schemas.openxmlformats.org/presentationml/2006/main">
   <p:cSld>
@@ -4091,37 +4887,25 @@
           <a:p>
             <a:r>
               <a:rPr lang="en-US" dirty="0" smtClean="0"/>
-              <a:t>Each Data set </a:t>
-            </a:r>
-            <a:r>
-              <a:rPr lang="en-US" smtClean="0"/>
-              <a:t>involves </a:t>
-            </a:r>
-            <a:r>
-              <a:rPr lang="en-US" smtClean="0"/>
-              <a:t>different values and some involve all productivity in the US labor market. </a:t>
-            </a:r>
-          </a:p>
-          <a:p>
-            <a:r>
-              <a:rPr lang="en-US" smtClean="0"/>
+              <a:t>Each Data set involves different values and some involve all productivity in the US labor market. </a:t>
+            </a:r>
+          </a:p>
+          <a:p>
+            <a:r>
+              <a:rPr lang="en-US" dirty="0" smtClean="0"/>
               <a:t>4 Different Data sets were Used</a:t>
             </a:r>
           </a:p>
           <a:p>
             <a:r>
-              <a:rPr lang="en-US" smtClean="0"/>
+              <a:rPr lang="en-US" dirty="0" smtClean="0"/>
               <a:t>1 from Kaggle </a:t>
             </a:r>
           </a:p>
           <a:p>
             <a:r>
-              <a:rPr lang="en-US" smtClean="0"/>
-              <a:t>2 </a:t>
-            </a:r>
-            <a:r>
-              <a:rPr lang="en-US" dirty="0" smtClean="0"/>
-              <a:t>from open code</a:t>
+              <a:rPr lang="en-US" dirty="0" smtClean="0"/>
+              <a:t>2 from open code</a:t>
             </a:r>
           </a:p>
           <a:p>
@@ -4129,7 +4913,6 @@
               <a:rPr lang="en-US" dirty="0" smtClean="0"/>
               <a:t>1 from US dept. of Labor</a:t>
             </a:r>
-            <a:endParaRPr lang="en-US" dirty="0" smtClean="0"/>
           </a:p>
         </p:txBody>
       </p:sp>
@@ -4362,45 +5145,163 @@
           <a:p>
             <a:r>
               <a:rPr lang="en-US" dirty="0" smtClean="0"/>
-              <a:t>Machine Learning </a:t>
-            </a:r>
-            <a:endParaRPr lang="en-US" dirty="0"/>
-          </a:p>
-        </p:txBody>
-      </p:sp>
-      <p:sp>
-        <p:nvSpPr>
-          <p:cNvPr id="3" name="Content Placeholder 2"/>
-          <p:cNvSpPr>
-            <a:spLocks noGrp="1"/>
-          </p:cNvSpPr>
-          <p:nvPr>
-            <p:ph idx="1"/>
-          </p:nvPr>
-        </p:nvSpPr>
-        <p:spPr/>
-        <p:txBody>
-          <a:bodyPr/>
-          <a:lstStyle/>
-          <a:p>
-            <a:r>
-              <a:rPr lang="en-US" dirty="0" smtClean="0"/>
-              <a:t>We will also analyze the tech and reporting data in order to find out how likely someone is to have a health issue and the odds that it will affect their work </a:t>
-            </a:r>
-          </a:p>
-          <a:p>
-            <a:r>
-              <a:rPr lang="en-US" dirty="0" smtClean="0"/>
-              <a:t>Also we will find the highest causes for the mental health issues</a:t>
-            </a:r>
-            <a:endParaRPr lang="en-US" dirty="0"/>
-          </a:p>
-        </p:txBody>
-      </p:sp>
+              <a:t>Age and Location Breakdown </a:t>
+            </a:r>
+            <a:endParaRPr lang="en-US" dirty="0"/>
+          </a:p>
+        </p:txBody>
+      </p:sp>
+      <p:sp>
+        <p:nvSpPr>
+          <p:cNvPr id="5" name="AutoShape 4" descr="data:image/png;base64,iVBORw0KGgoAAAANSUhEUgAAAfIAAAGACAYAAABWe+AaAAAABHNCSVQICAgIfAhkiAAAAAlwSFlz%0AAAALEgAACxIB0t1+/AAAHE1JREFUeJzt3X+UZHV55/F3M81Qi1OSVhpdkeMsR32CGMWAQkRgchYW%0AQVbMuLvu8SdoFN0xYCQHVDC/VjQYRUVjMINkxGjcFYaciGElKuCgJqiB1Yn4sKDgHtwkLc6MPRka%0AHab3j3sbinamu6bpulXfqvfrHA63bt/61vP0j/nU995b947Nzs4iSZLKtE+/C5AkSUtnkEuSVDCD%0AXJKkghnkkiQVzCCXJKlgBrkkSQUb73cBkh4pIvYF7gG+nZkvXMZxzwA+BPygXrUC+DFwfmbeUm/z%0AN8DvZOZ3FxjneuDlmfnj3Xztb4DfAQ4CPpKZz9zLGn8TWJmZH42INwK/lJl/tDdjSKPGIJcGz28A%0A3waOjIjDMvP2ZRx7U2aeNvcgIk4EPh8RR2XmPZl5ahdjnLSnL8w9PyIOWmJ9LwA212NdtsQxpJFi%0AkEuD578BnwHuBN4CnAUQEW8DXgdMA18BXpKZqyNiJXAxcALVLPtW4OzM/OliL5SZX4yIa4A3AW+L%0AiLuB/wR8D/hz4GnALuBbdR0fr596Q0ScCmwC/h54FvAO4AP18wFWRcRVwFOBrcAbMvOOiNgAbM7M%0A99V9baAK77uAFwMnRcT9wCRwYGa+OSIOBz4CPB6YBd6fmVdGxBrgIuD7wDOB/YB1mXnDot9laUh4%0AjFwaIBHxDOAY4H8CnwBeFRGPj4iTgTOA5wJHAu2Op70N2AkcmZnPBn4E7M3u6P8N/Mq8db8BtDPz%0AiPo1AQ7NzDPr5V/PzP9bL2/OzMMy85p5YxwCXFKP8WngkwsVUT//r4EPZOafzK2PiPF6/Ycz81nA%0AKcC7I+LX6k2Opgr251C90fj9bpqWhoVBLg2WNwGfz8yfZOY3qI5nnwWcCnw2M7dm5izwJx3POQ04%0AHbg1Im4DXgI8Yy9ecxbYMW/dzcDhEXEj1RuFD2bmnXt4/qY9rP92Zn6tXt4AHBURB+xFXXOeDrQy%0AcyNAZv4IuBqYO3/gnsy8rV7+B+BxS3gNqVgGuTQgIuIxwKuBF0TE3fVu7n8LrKOacY91bP5gx/IK%0A4JzMPKKe/T6Ph3dvd+O5wHc6V2TmD6h2ib8HeCzwxYjY05jb97D+wXmPZ4Gf1//v7GXlIvXt7t+p%0AfYB96+X7573G2C9uLg0vg1waHK+gOov8SZm5OjNXA4cCq6hmmi/tmNG+jiq0AL4AvDkiVkbEPsB6%0AqgBeVH2c+0XAn81b/yaqY+TXZ+b59WvMnYH+IA+H6EKeHRFH1MtnATdn5g5gCjiqfp0DgeM6nrNz%0AN2Mn8LOIWFs/50nAS4G/7aZHadh5sps0ON5EdUz5oZlsZm6NiEupTnpbD3w9InYA/8jDu8P/O/A+%0AqpPcVgC3Aefu4TWOq3e/Q/VG4EfAyZn5T/O2uxJYA3w3Iv4V+CHVR9cANgI3R8Tpi/RzO/B7EXEo%0A8C/Aa+r1HwY+FREJ3A3c2PGc64CPRMRDKzLz5xHxEuDSiPh9qn+3/jAzb6hPdpNG2pi3MZUGX0Qc%0ABTw/My+tH78VODozX9bfyiT1mzNyqQx3AOdHxBuoZtI/BN7Q35IkDQJn5JIkFcyT3SRJKlhPd61H%0AxNHAxZm5pr5k43pgguqEnFdn5l0R8XqqM1p3Au/KzGt7WZMkScOkZzPyiDgPuBxo1aveC3wqM48H%0ALgR+OSKeCJwNHAucDLwnIvbrVU2SJA2bXs7I7wLW8vBlGY8Fvh0RX6T6yMk5wL8HvpqZDwAPRMSd%0AVNds/sZCA09NTQ/Ngf2Jif3ZsmX+RbWG16j1C6PX86j1C/Y8Cvrd7+Rke48XOupZkGfm1RGxumPV%0AamBLZp4YEb8LnE91Ju62jm2mgUUv4TgxsT/j4yuWsdr+mpxsL77REBm1fmH0eh61fsGeR8Gg9tvk%0Ax8/uo7rxAcDnqO5Y9E0eefOHNtVdkhY0TO8CJyfbTE1N97uMxoxavzB6PY9av2DPo6Df/S70JqLJ%0As9ZvprrxA8DxVFemuoXqSlOt+tKTh1Hfi1iSJC2uySA/F3h1RHyN6q5F764vC3kp1d2TvgxckJkz%0ADdYkSVLRerprPTPvprq3Mpl5D3DSbrZZT/WxNEmStJe8IIwkSQUzyCVJKphBLklSwQxySZIKZpBL%0AklQwg1ySpIIZ5JIkFcwglySpYAa5JEkFa/KmKVLxWvdu7Gq7mYPX9rgSSao4I5ckqWAGuSRJBTPI%0AJUkqmEEuSVLBDHJJkgpmkEuSVDCDXJKkghnkkiQVzCCXJKlgBrkkSQUzyCVJKphBLklSwQxySZIK%0AZpBLklQwg1ySpIIZ5JIkFcwglySpYAa5JEkFM8glSSqYQS5JUsEMckmSCmaQS5JUMINckqSC9TTI%0AI+LoiLhx3rqXR8TXOx6/PiK+GRF/FxGn9bIeSZKGTc+CPCLOAy4HWh3rngO8DhirHz8ROBs4FjgZ%0AeE9E7NermiRJGja9nJHfBaydexARjwfeDbylY5vnAV/NzAcycxtwJ/CsHtYkSdJQGe/VwJl5dUSs%0ABoiIFcDHgbcC93ds9lhgW8fjaeCAxcaemNif8fEVy1dsn01OtvtdQqOK7ndba/FtgPa8HovueQlG%0ArV+w51EwqP32LMjnORJ4GvCnVLvanxERHwS+DHR+Z9rA1sUG27JlRy9q7IvJyTZTU9P9LqMxpffb%0A2j7T1XYzHT2W3vPeGrV+wZ5HQb/7XehNRCNBnpm3AIcD1LP0z2TmW+pj5BdFRAvYDzgM2NxETZIk%0ADYO+fvwsM/8JuBTYRDU7vyAzu5vySJKk3s7IM/Nu4JiF1mXmemB9L+uQJGlYeUEYSZIKZpBLklQw%0Ag1ySpII19fEzqS9a927saruZg9cuvpEkDSBn5JIkFcwZuVQA9yxI2hNn5JIkFcwglySpYAa5JEkF%0AM8glSSqYQS5JUsEMckmSCmaQS5JUMINckqSCGeSSJBXMK7tJPfCIK7Fta9HaPrPb7bwSm6RHyxm5%0AJEkFM8glSSqYQS5JUsEMckmSCmaQS5JUMINckqSCGeSSJBXMIJckqWAGuSRJBTPIJUkqmEEuSVLB%0ADHJJkgpmkEuSVDCDXJKkghnkkiQVzCCXJKlg470cPCKOBi7OzDURcQTwYeBB4AHg1Zn5zxHxeuAs%0AYCfwrsy8tpc1SZI0THo2I4+I84DLgVa96kPAb2XmGmAjcH5EPBE4GzgWOBl4T0Ts16uaJEkaNr3c%0AtX4XsLbj8X/NzNvq5XFgBnge8NXMfCAztwF3As/qYU2SJA2Vnu1az8yrI2J1x+P/BxARzwfeDBxP%0ANQvf1vG0aeCAxcaemNif8fEVy1pvP01OtvtdQqMa7Xdba/FtgHa3NXU53i+Mv2r3z1vu1+16vB4b%0Atd9psOdRMKj99vQY+XwR8TLgAuBFmTkVET8FOr8zbWDrYuNs2bKjRxU2b3KyzdTUdL/LaEzT/ba2%0Az3S13UyXNXU7Xqf2qhbTe3jecr9ut+P10qj9ToM9j4J+97vQm4jGgjwiXkl1UtuazPxJvfoW4KKI%0AaAH7AYcBm5uqSZKk0jUS5BGxArgU+CGwMSIAbsrM34uIS4FNVMfrL8jMvZ/ySJI0onoa5Jl5N3BM%0A/fBxe9hmPbC+l3VIkjSsvCCMJEkFM8glSSqYQS5JUsEMckmSCmaQS5JUMINckqSCGeSSJBXMIJck%0AqWAGuSRJBTPIJUkqmEEuSVLBDHJJkgpmkEuSVDCDXJKkghnkkiQVzCCXJKlgBrkkSQUzyCVJKphB%0ALklSwQxySZIKZpBLklQwg1ySpIIZ5JIkFcwglySpYAa5JEkFM8glSSqYQS5JUsEMckmSCmaQS5JU%0AMINckqSCGeSSJBXMIJckqWAGuSRJBRvv5eARcTRwcWauiYinAhuAWWAzsC4zd0XE64GzgJ3AuzLz%0A2l7WJEnSMOnZjDwizgMuB1r1qkuACzPzOGAMOD0ingicDRwLnAy8JyL261VNkiQNm17uWr8LWNvx%0A+Ejgpnr5OuBE4HnAVzPzgczcBtwJPKuHNUmSNFR6tms9M6+OiNUdq8Yyc7ZengYOAB4LbOvYZm79%0AgiYm9md8fMVyldp3k5PtfpfQqEb73dZafBug3W1NXY73C+Ov2v3zlvt1ux6vx0btdxrseRQMar89%0APUY+z66O5TawFfhpvTx//YK2bNmxvJX10eRkm6mp6X6X0Zim+21tn+lqu5kua+p2vE7tVS2m9/C8%0A5X7dbsfrpVH7nQZ7HgX97nehNxFNnrV+a0SsqZdPATYBtwDHRUQrIg4ADqM6EU6SJHWhyRn5ucD6%0AiFgJ3A5clZkPRsSlVKG+D3BBZu79lEeSpBHV0yDPzLuBY+rlO4ATdrPNemB9L+uQJGlYeUEYSZIK%0A1uSudWnZtO7d2O8SJGkgOCOXJKlgBrkkSQUzyCVJKphBLklSwQxySZIKZpBLklQwg1ySpIIZ5JIk%0AFcwglySpYF7ZTRoi3VzxbubgtQ1UIqkpzsglSSqYQS5JUsEMckmSCmaQS5JUMINckqSCGeSSJBXM%0AIJckqWAGuSRJBTPIJUkqmEEuSVLBDHJJkgpmkEuSVDCDXJKkghnkkiQVzCCXJKlgXd2PPCJ+AMzu%0A5ktjwGxmHrqsVUmSpK50FeTAp4EHgPXAz4FXAM8FLuhRXZIkqQvdBvnJmXlUx+MPRcS3MvOeXhQl%0ASZK60+0x8rGIOHHuQUScBvy0NyVJkqRudTsjfwNwZUQ8kepY+feA1/SsKmlEtO7d2O8SJBWuqyDP%0AzG8Bh0fEgcBMZm5fyotFxL7AJ4DVwIPA64GdwAaqNwibgXWZuWsp40uSNGq62rUeEU+JiL8Fvg6s%0AiogvR8TqJbzeqcB4Zj4f+EPgIuAS4MLMPI7qLPjTlzCuJEkjqdtj5B8D/hjYDvwz8JfAlUt4vTuA%0A8YjYB3gs1RnwRwI31V+/DjhxD8+VJEnzdHuM/MDMvD4iLs7MWWB9RKxbwuttp9qt/j3gQOA04Ph6%0ATIBp4IDFBpmY2J/x8RVLePnBNDnZ7ncJjVqWfre1Hv0YHdrd1rTE122vWt56H42ue30URu13Gux5%0AFAxqv90G+f0R8WTqi8JExAuoPle+t34b+EJmvj0iDgG+DKzs+Hob2LrYIFu27FjCSw+myck2U1PT%0A/S6jMcvVb2v7zDJU87CZLmtayuu2V7WYXuZ6H41ue12qUfudBnseBf3ud6E3Ed3uWv9t4FrgaRFx%0AG9UFYs5eQi1bgG318k+AfYFbI2JNve4UYNMSxpUkaSR1OyN/AtWV3J4OrAC+l5k/W8LrfQC4IiI2%0AUc3E3wF8k2pX/UrgduCqJYwrSdJI6jbI35uZnwf+8dG8WP2xtf+ymy+d8GjGlSRpVHUb5HdFxBXA%0A3wP3z63MzKWcuS5JkpbJgsfII+LgevE+qs94HwP8ev3fmp5WJkmSFrXYjPxzwK9m5pkRcW5mvr+J%0AoiRJUncWO2t9rGP5Fb0sRJIk7b3Fgny2Y3lsj1tJkqS+6PZz5PDIUJckSQNgsWPkh0fE9+vlgzuW%0Ax4DZzDy0d6VJkqTFLBbkT2+kCkmStCQLBnlm3tNUIZIkae/tzTFySZI0YAxySZIKZpBLklSwbq+1%0ALmnEtO7d2NV2Mwev7XElkhbijFySpII5I5fofvYpSYPGGbkkSQUzyCVJKphBLklSwQxySZIKZpBL%0AklQwg1ySpIIZ5JIkFcwglySpYAa5JEkFM8glSSqYQS5JUsEMckmSCmaQS5JUMINckqSCGeSSJBXM%0AIJckqWAGuSRJBTPIJUkq2HjTLxgRbwdeDKwEPgrcBGwAZoHNwLrM3NV0XZIklajRGXlErAGeDxwL%0AnAAcAlwCXJiZxwFjwOlN1iRJUsma3rV+MvAd4Brgc8C1wJFUs3KA64ATG65JkqRiNb1r/UDgKcBp%0AwL8D/hrYJzNn669PAwcsNsjExP6Mj6/oWZFNm5xs97uERi1Lv9taj36MBrVXDU697W6//11+j3c3%0A3qj9ToM9j4JB7bfpIL8P+F5m/gzIiJih2r0+pw1sXWyQLVt29Ki85k1Otpmamu53GY1Zrn5b22eW%0AoZpmtFe1mB6geme6/P53+z2eP96o/U6DPY+Cfve70JuIpnet3wy8MCLGIuJJwGOAL9XHzgFOATY1%0AXJMkScVqdEaemddGxPHALVRvItYBPwDWR8RK4HbgqiZrkiSpZI1//Cwzz9vN6hOarkOSpGHgBWEk%0ASSqYQS5JUsEMckmSCmaQS5JUMINckqSCGeSSJBXMIJckqWAGuSRJBTPIJUkqmEEuSVLBDHJJkgpm%0AkEuSVDCDXJKkghnkkiQVzCCXJKlgBrkkSQUzyCVJKphBLklSwQxySZIKZpBLklQwg1ySpIIZ5JIk%0AFcwglySpYAa5JEkFM8glSSqYQS5JUsEMckmSCmaQS5JUMINckqSCjfe7AEnNat27sd8lSFpGzsgl%0ASSqYQS5JUsEMckmSCtaXY+QRcRDwLeAkYCewAZgFNgPrMnNXP+qSJKk0jQd5ROwLfAy4v151CXBh%0AZt4YEZcBpwPXNF2XpN7q9iS7mYPX9rgSabj0Y9f6+4DLgB/Vj48EbqqXrwNO7ENNkiQVqdEZeUSc%0AAUxl5hci4u316rHMnK2Xp4EDFhtnYmJ/xsdX9KjK5k1OtvtdQqOWpd9trUc/RoPaq8qqd2+0d/Pz%0A3O3PuMuf2e7GK8Go/R3D6PU8qP02vWv9tcBsRJwIHAFcCRzU8fU2sHWxQbZs2dGb6vpgcrLN1NR0%0Av8tozHL129o+swzVNKO9qsV0QfXurZl5P889/Yy7/ZnNH68Eo/Z3DKPXc7/7XehNRKNBnpnHzy1H%0AxI3AG4E/jog1mXkjcApwQ5M1SRosHkuX9s4gXNntXGB9RKwEbgeu6nM9kiQVo29BnplrOh6e0K86%0AJEkqmReEkSSpYAa5JEkFM8glSSqYQS5JUsEMckmSCmaQS5JUMINckqSCGeSSJBXMIJckqWCDcIlW%0ASQX7hWujb2sVdVMbqXTOyCVJKphBLklSwQxySZIKZpBLklQwg1ySpIIZ5JIkFcwglySpYAa5JEkF%0AM8glSSqYQS5JUsEMckmSCmaQS5JUMINckqSCGeSSJBXMIJckqWAGuSRJBTPIJUkqmEEuSVLBDHJJ%0AkgpmkEuSVDCDXJKkgo33uwCNhta9G6uFbS1a22f2uN3MwWsbqkiShkOjQR4R+wJXAKuB/YB3Ad8F%0ANgCzwGZgXWbuarIuSZJK1fSM/JXAfZn5qoh4HHBb/d+FmXljRFwGnA5c03BdGhAPzdwlSV1p+hj5%0AZ4F31stjwE7gSOCmet11wIkN1yRJUrEanZFn5naAiGgDVwEXAu/LzNl6k2nggMXGmZjYn/HxFT2r%0As2mTk+1+l9B721oPLbZXtRbYcDiNWs9N9NsesL+bkfg7nmfUeh7Ufhs/2S0iDqHadf7RzPx0RLy3%0A48ttYOtiY2zZsqNX5TVucrLN1NR0v8voubkT3NqrWkwvcLLbMBq1npvqd2aA/m5G5e+406j13O9+%0AF3oT0eiu9Yh4AnA9cH5mXlGvvjUi1tTLpwCbmqxJkqSSNT0jfwcwAbwzIuaOlZ8DXBoRK4HbqXa5%0AS5KkLjR9jPwcquCe74Qm65AkaVh4ZTdJkgpmkEuSVDCDXJKkghnkkiQVzCCXJKlgBrkkSQUzyCVJ%0AKpj3I5c01Lq9o97MwWt7XInUG87IJUkqmEEuSVLBDHJJkgrmMXJJRer22Lc07JyRS5JUMINckqSC%0AGeSSJBXMY+SShJ83V7mckUuSVDCDXJKkgrlrXY+aHwOSpP5xRi5JUsEMckmSCmaQS5JUMI+Ra488%0A9i2VxY/QjSZn5JIkFcwZuSTthd3Oere1aG2fecQqZ71qijNySZIK5oxcknqgm+PVztq1HJyRS5JU%0AMGfkktQnnmWu5eCMXJKkgjkjl6QB5zUdtBBn5JIkFcwZuSRptxbcE7Cbz84vxmP9vTEQQR4R+wAf%0ABZ4NPAD8Zmbe2d+qJEkafAMR5MBLgFZm/lpEHAO8Hzi9qRdf7uNP3b7rbN27sat3tb6LlbScBv2Y%0A+yCfzT+ItQ3KMfIXAP8LIDP/Djiqv+VIklSGsdnZ2X7XQERcDlydmdfVj38IHJqZO/tbmSRJg21Q%0AZuQ/Bdodj/cxxCVJWtygBPlXgVMB6mPk3+lvOZIklWFQTna7BjgpIr4GjAFn9rkeSZKKMBDHyCVJ%0A0tIMyq51SZK0BAa5JEkFG5Rj5CMjIo4GLs7MNRHxVGADMAtsBtZl5q5+1recImJf4ApgNbAf8C7g%0Auwx3zyuA9UBQ9fhGYIYh7hkgIg4CvgWcBOxk+Pv9B6pP2wD8ALiIIe45It4OvBhYSXUVzpsY7n7P%0AAM6oH7aAI6iud/JBBrBnZ+QNiojzgMupfjEALgEuzMzjqE7ya+xqdg15JXBf3d8LgY8w/D3/R4DM%0APBa4kOof+KHuuX7D9jHg/nrVsPfbAsYyc03935kMcc8RsQZ4PnAscAJwCEPcL0Bmbpj7+VK9QT0b%0A+F0GtGeDvFl3AZ3X7TuS6p0twHXAiY1X1FufBd5ZL49RzdSGuufM/CvgDfXDpwBbGfKegfcBlwE/%0Aqh8Pe7/PBvaPiOsj4sv1R2aHueeTqT4SfA3wOeBahrvfh0TEUcDhmflnDHDPBnmDMvNq4Ocdq8Yy%0Ac+5jA9PAAc1X1TuZuT0zpyOiDVxFNUMd6p4BMnNnRHwC+DDwKYa453oX5FRmfqFj9dD2W9tB9ebl%0AZKpDJ0P9MwYOpLps9n/m4X73GeJ+O70D+IN6eWB/xgZ5f3UeX2lTzd6GSkQcAtwAfDIzP80I9AyQ%0Ama8Bnk51vPzfdHxp2Hp+LdU1IG6kOo54JXBQx9eHrV+AO4C/yMzZzLwDuA94QsfXh63n+4AvZObP%0AMjOpzvnoDLFh6xeAiPglIDLzhnrVwP7bZZD316318SeAU4BNfaxl2UXEE4DrgfMz84p69bD3/Kr6%0AxCCoZm67gG8Oa8+ZeXxmnlAfS7wNeDVw3bD2W3st1R0aiYgnAY8Frh/inm8GXhgRY3W/jwG+NMT9%0Azjke+FLH44H9t8uz1vvrXGB9RKwEbqfa/TxM3gFMAO+MiLlj5ecAlw5xzxuBP4+IrwD7Am+h6nOY%0Af87zDfvv9ceBDRFxM9UZzK8FfsyQ9pyZ10bE8cAtVJO/dVRn6g9lvx0C+H7H44H9vfbKbpIkFcxd%0A65IkFcwglySpYAa5JEkFM8glSSqYQS5JUsEMckmPEBHPjIjZiHhpv2uRtDiDXNJ8Z1J9RvaN/S5E%0A0uL8HLmkh0TEOHAvcBzwNeDozLyrvqLVh6lufPN14Bkdt+L9U+DxVFey+63MvLUvxUsjyhm5pE4v%0AAu6pryH+V8BZ9W1KPwm8IjOfwyNv/PMJ4LzM/FWqu759pumCpVFnkEvqdCbwl/Xy/wDOAJ4D/Etm%0AfrtefwVARKwCnkt1SdrbgE8DqyLi8Y1WLI04r7UuCYCIOAg4FTgqIs6huof8BNUNInb3pn8FMJOZ%0AR3SM8WTgJw2UK6nmjFzSnFcCX8rMJ2fm6sx8CnAR1X23JyLiV+rtXg7MZuY24P9ExCsBIuIk4Cv9%0AKFwaZc7IJc05k+qOdZ0+CpwH/AfgyojYBSRwf/31VwCXRcR5wM+Al2WmZ9BKDfKsdUkLioh9gD8C%0A/iAz/zUi3gocnJnn9rk0SbhrXdIiMnMX1XHvb9QntR0PvLu/VUma44xckqSCOSOXJKlgBrkkSQUz%0AyCVJKphBLklSwQxySZIKZpBLklSw/w9vBGqKOu085QAAAABJRU5ErkJggg=="/>
+          <p:cNvSpPr>
+            <a:spLocks noChangeAspect="1" noChangeArrowheads="1"/>
+          </p:cNvSpPr>
+          <p:nvPr/>
+        </p:nvSpPr>
+        <p:spPr bwMode="auto">
+          <a:xfrm>
+            <a:off x="155575" y="-144463"/>
+            <a:ext cx="304800" cy="304801"/>
+          </a:xfrm>
+          <a:prstGeom prst="rect">
+            <a:avLst/>
+          </a:prstGeom>
+          <a:noFill/>
+          <a:extLst>
+            <a:ext uri="{909E8E84-426E-40DD-AFC4-6F175D3DCCD1}">
+              <a14:hiddenFill xmlns:a14="http://schemas.microsoft.com/office/drawing/2010/main">
+                <a:solidFill>
+                  <a:srgbClr val="FFFFFF"/>
+                </a:solidFill>
+              </a14:hiddenFill>
+            </a:ext>
+          </a:extLst>
+        </p:spPr>
+        <p:txBody>
+          <a:bodyPr vert="horz" wrap="square" lIns="91440" tIns="45720" rIns="91440" bIns="45720" numCol="1" anchor="t" anchorCtr="0" compatLnSpc="1">
+            <a:prstTxWarp prst="textNoShape">
+              <a:avLst/>
+            </a:prstTxWarp>
+          </a:bodyPr>
+          <a:lstStyle/>
+          <a:p>
+            <a:endParaRPr lang="en-US" dirty="0"/>
+          </a:p>
+        </p:txBody>
+      </p:sp>
+      <p:pic>
+        <p:nvPicPr>
+          <p:cNvPr id="1029" name="Picture 5"/>
+          <p:cNvPicPr>
+            <a:picLocks noChangeAspect="1" noChangeArrowheads="1"/>
+          </p:cNvPicPr>
+          <p:nvPr/>
+        </p:nvPicPr>
+        <p:blipFill>
+          <a:blip r:embed="rId2">
+            <a:extLst>
+              <a:ext uri="{28A0092B-C50C-407E-A947-70E740481C1C}">
+                <a14:useLocalDpi xmlns:a14="http://schemas.microsoft.com/office/drawing/2010/main" val="0"/>
+              </a:ext>
+            </a:extLst>
+          </a:blip>
+          <a:srcRect/>
+          <a:stretch>
+            <a:fillRect/>
+          </a:stretch>
+        </p:blipFill>
+        <p:spPr bwMode="auto">
+          <a:xfrm>
+            <a:off x="155574" y="1904999"/>
+            <a:ext cx="5102225" cy="4426027"/>
+          </a:xfrm>
+          <a:prstGeom prst="rect">
+            <a:avLst/>
+          </a:prstGeom>
+          <a:noFill/>
+          <a:ln>
+            <a:noFill/>
+          </a:ln>
+          <a:extLst>
+            <a:ext uri="{909E8E84-426E-40DD-AFC4-6F175D3DCCD1}">
+              <a14:hiddenFill xmlns:a14="http://schemas.microsoft.com/office/drawing/2010/main">
+                <a:solidFill>
+                  <a:schemeClr val="accent1"/>
+                </a:solidFill>
+              </a14:hiddenFill>
+            </a:ext>
+            <a:ext uri="{91240B29-F687-4F45-9708-019B960494DF}">
+              <a14:hiddenLine xmlns:a14="http://schemas.microsoft.com/office/drawing/2010/main" w="9525">
+                <a:solidFill>
+                  <a:schemeClr val="tx1"/>
+                </a:solidFill>
+                <a:miter lim="800000"/>
+                <a:headEnd/>
+                <a:tailEnd/>
+              </a14:hiddenLine>
+            </a:ext>
+          </a:extLst>
+        </p:spPr>
+      </p:pic>
+      <p:pic>
+        <p:nvPicPr>
+          <p:cNvPr id="1030" name="Picture 6"/>
+          <p:cNvPicPr>
+            <a:picLocks noChangeAspect="1" noChangeArrowheads="1"/>
+          </p:cNvPicPr>
+          <p:nvPr/>
+        </p:nvPicPr>
+        <p:blipFill>
+          <a:blip r:embed="rId3">
+            <a:extLst>
+              <a:ext uri="{28A0092B-C50C-407E-A947-70E740481C1C}">
+                <a14:useLocalDpi xmlns:a14="http://schemas.microsoft.com/office/drawing/2010/main" val="0"/>
+              </a:ext>
+            </a:extLst>
+          </a:blip>
+          <a:srcRect/>
+          <a:stretch>
+            <a:fillRect/>
+          </a:stretch>
+        </p:blipFill>
+        <p:spPr bwMode="auto">
+          <a:xfrm>
+            <a:off x="5257045" y="2743200"/>
+            <a:ext cx="3886955" cy="3488893"/>
+          </a:xfrm>
+          <a:prstGeom prst="rect">
+            <a:avLst/>
+          </a:prstGeom>
+          <a:noFill/>
+          <a:ln>
+            <a:noFill/>
+          </a:ln>
+          <a:extLst>
+            <a:ext uri="{909E8E84-426E-40DD-AFC4-6F175D3DCCD1}">
+              <a14:hiddenFill xmlns:a14="http://schemas.microsoft.com/office/drawing/2010/main">
+                <a:solidFill>
+                  <a:schemeClr val="accent1"/>
+                </a:solidFill>
+              </a14:hiddenFill>
+            </a:ext>
+            <a:ext uri="{91240B29-F687-4F45-9708-019B960494DF}">
+              <a14:hiddenLine xmlns:a14="http://schemas.microsoft.com/office/drawing/2010/main" w="9525">
+                <a:solidFill>
+                  <a:schemeClr val="tx1"/>
+                </a:solidFill>
+                <a:miter lim="800000"/>
+                <a:headEnd/>
+                <a:tailEnd/>
+              </a14:hiddenLine>
+            </a:ext>
+          </a:extLst>
+        </p:spPr>
+      </p:pic>
     </p:spTree>
     <p:extLst>
       <p:ext uri="{BB962C8B-B14F-4D97-AF65-F5344CB8AC3E}">
-        <p14:creationId xmlns:p14="http://schemas.microsoft.com/office/powerpoint/2010/main" val="1844706485"/>
+        <p14:creationId xmlns:p14="http://schemas.microsoft.com/office/powerpoint/2010/main" val="2271063651"/>
       </p:ext>
     </p:extLst>
   </p:cSld>
@@ -4439,68 +5340,85 @@
         </p:nvSpPr>
         <p:spPr/>
         <p:txBody>
-          <a:bodyPr>
-            <a:normAutofit fontScale="90000"/>
-          </a:bodyPr>
-          <a:lstStyle/>
-          <a:p>
-            <a:r>
-              <a:rPr lang="en-US" dirty="0" smtClean="0"/>
-              <a:t>Margins of Error and Further </a:t>
-            </a:r>
-            <a:r>
-              <a:rPr lang="en-US" dirty="0"/>
-              <a:t>S</a:t>
-            </a:r>
-            <a:r>
-              <a:rPr lang="en-US" dirty="0" smtClean="0"/>
-              <a:t>tudy</a:t>
-            </a:r>
-            <a:endParaRPr lang="en-US" dirty="0"/>
-          </a:p>
-        </p:txBody>
-      </p:sp>
-      <p:sp>
-        <p:nvSpPr>
-          <p:cNvPr id="3" name="Content Placeholder 2"/>
-          <p:cNvSpPr>
-            <a:spLocks noGrp="1"/>
-          </p:cNvSpPr>
+          <a:bodyPr/>
+          <a:lstStyle/>
+          <a:p>
+            <a:r>
+              <a:rPr lang="en-US" dirty="0" smtClean="0"/>
+              <a:t>Treatment </a:t>
+            </a:r>
+            <a:r>
+              <a:rPr lang="en-US" dirty="0" err="1" smtClean="0"/>
+              <a:t>Distrubtion</a:t>
+            </a:r>
+            <a:r>
+              <a:rPr lang="en-US" dirty="0" smtClean="0"/>
+              <a:t> </a:t>
+            </a:r>
+            <a:endParaRPr lang="en-US" dirty="0"/>
+          </a:p>
+        </p:txBody>
+      </p:sp>
+      <p:pic>
+        <p:nvPicPr>
+          <p:cNvPr id="2050" name="Picture 2"/>
+          <p:cNvPicPr>
+            <a:picLocks noGrp="1" noChangeAspect="1" noChangeArrowheads="1"/>
+          </p:cNvPicPr>
           <p:nvPr>
             <p:ph idx="1"/>
           </p:nvPr>
-        </p:nvSpPr>
-        <p:spPr/>
-        <p:txBody>
-          <a:bodyPr/>
-          <a:lstStyle/>
-          <a:p>
-            <a:r>
-              <a:rPr lang="en-US" dirty="0" smtClean="0"/>
-              <a:t>As with all self reporting data reporting bias can factor in as people do not want to admit issues they have or how much it affects them</a:t>
-            </a:r>
-          </a:p>
-          <a:p>
-            <a:r>
-              <a:rPr lang="en-US" dirty="0" smtClean="0"/>
-              <a:t>Codifying any reporting data can have issues in the integer values and can either cause over or underestimation</a:t>
-            </a:r>
-          </a:p>
-          <a:p>
-            <a:r>
-              <a:rPr lang="en-US" dirty="0" smtClean="0"/>
-              <a:t>Some areas of further study would be to look at global data as a whole to get a more comprehensive data and with the productivity data find other industry reports on mental health </a:t>
-            </a:r>
-          </a:p>
-          <a:p>
-            <a:endParaRPr lang="en-US" dirty="0"/>
-          </a:p>
-        </p:txBody>
-      </p:sp>
+        </p:nvPicPr>
+        <p:blipFill>
+          <a:blip r:embed="rId2">
+            <a:extLst>
+              <a:ext uri="{28A0092B-C50C-407E-A947-70E740481C1C}">
+                <a14:useLocalDpi xmlns:a14="http://schemas.microsoft.com/office/drawing/2010/main" val="0"/>
+              </a:ext>
+            </a:extLst>
+          </a:blip>
+          <a:srcRect/>
+          <a:stretch>
+            <a:fillRect/>
+          </a:stretch>
+        </p:blipFill>
+        <p:spPr bwMode="auto">
+          <a:xfrm>
+            <a:off x="0" y="2057400"/>
+            <a:ext cx="6324600" cy="4494224"/>
+          </a:xfrm>
+          <a:prstGeom prst="rect">
+            <a:avLst/>
+          </a:prstGeom>
+          <a:noFill/>
+          <a:ln>
+            <a:noFill/>
+          </a:ln>
+          <a:extLst>
+            <a:ext uri="{909E8E84-426E-40DD-AFC4-6F175D3DCCD1}">
+              <a14:hiddenFill xmlns:a14="http://schemas.microsoft.com/office/drawing/2010/main">
+                <a:solidFill>
+                  <a:schemeClr val="accent1"/>
+                </a:solidFill>
+              </a14:hiddenFill>
+            </a:ext>
+            <a:ext uri="{91240B29-F687-4F45-9708-019B960494DF}">
+              <a14:hiddenLine xmlns:a14="http://schemas.microsoft.com/office/drawing/2010/main" w="9525">
+                <a:solidFill>
+                  <a:schemeClr val="tx1"/>
+                </a:solidFill>
+                <a:miter lim="800000"/>
+                <a:headEnd/>
+                <a:tailEnd/>
+              </a14:hiddenLine>
+            </a:ext>
+          </a:extLst>
+        </p:spPr>
+      </p:pic>
     </p:spTree>
     <p:extLst>
       <p:ext uri="{BB962C8B-B14F-4D97-AF65-F5344CB8AC3E}">
-        <p14:creationId xmlns:p14="http://schemas.microsoft.com/office/powerpoint/2010/main" val="441500856"/>
+        <p14:creationId xmlns:p14="http://schemas.microsoft.com/office/powerpoint/2010/main" val="1388523261"/>
       </p:ext>
     </p:extLst>
   </p:cSld>
@@ -4544,63 +5462,72 @@
           <a:p>
             <a:r>
               <a:rPr lang="en-US" dirty="0" smtClean="0"/>
-              <a:t>Conclusions </a:t>
-            </a:r>
-            <a:endParaRPr lang="en-US" dirty="0"/>
-          </a:p>
-        </p:txBody>
-      </p:sp>
-      <p:sp>
-        <p:nvSpPr>
-          <p:cNvPr id="3" name="Content Placeholder 2"/>
-          <p:cNvSpPr>
-            <a:spLocks noGrp="1"/>
-          </p:cNvSpPr>
+              <a:t>Gender Breakdown </a:t>
+            </a:r>
+            <a:endParaRPr lang="en-US" dirty="0"/>
+          </a:p>
+        </p:txBody>
+      </p:sp>
+      <p:pic>
+        <p:nvPicPr>
+          <p:cNvPr id="3074" name="Picture 2"/>
+          <p:cNvPicPr>
+            <a:picLocks noGrp="1" noChangeAspect="1" noChangeArrowheads="1"/>
+          </p:cNvPicPr>
           <p:nvPr>
             <p:ph idx="1"/>
           </p:nvPr>
-        </p:nvSpPr>
-        <p:spPr/>
-        <p:txBody>
-          <a:bodyPr/>
-          <a:lstStyle/>
-          <a:p>
-            <a:r>
-              <a:rPr lang="en-US" dirty="0" smtClean="0"/>
-              <a:t>As we have seen the rate of mental health is very prevalent</a:t>
-            </a:r>
-          </a:p>
-          <a:p>
-            <a:r>
-              <a:rPr lang="en-US" dirty="0" smtClean="0"/>
-              <a:t>The most common factors affecting mental health are </a:t>
-            </a:r>
-          </a:p>
-          <a:p>
-            <a:r>
-              <a:rPr lang="en-US" dirty="0" smtClean="0"/>
-              <a:t>It seems availability of coverage does help maintain both work interference and treatment </a:t>
-            </a:r>
-          </a:p>
-          <a:p>
-            <a:r>
-              <a:rPr lang="en-US" dirty="0" smtClean="0"/>
-              <a:t>It has a large factor affecting overall productivity by </a:t>
-            </a:r>
-          </a:p>
-          <a:p>
-            <a:r>
-              <a:rPr lang="en-US" dirty="0" smtClean="0"/>
-              <a:t>Gender plays a role in both affliction, treatment, and interference amount </a:t>
-            </a:r>
-            <a:endParaRPr lang="en-US" dirty="0"/>
-          </a:p>
-        </p:txBody>
-      </p:sp>
+        </p:nvPicPr>
+        <p:blipFill>
+          <a:blip r:embed="rId2">
+            <a:extLst>
+              <a:ext uri="{28A0092B-C50C-407E-A947-70E740481C1C}">
+                <a14:useLocalDpi xmlns:a14="http://schemas.microsoft.com/office/drawing/2010/main" val="0"/>
+              </a:ext>
+            </a:extLst>
+          </a:blip>
+          <a:srcRect/>
+          <a:stretch>
+            <a:fillRect/>
+          </a:stretch>
+        </p:blipFill>
+        <p:spPr bwMode="auto">
+          <a:xfrm>
+            <a:off x="381000" y="1828800"/>
+            <a:ext cx="8613026" cy="4892199"/>
+          </a:xfrm>
+          <a:prstGeom prst="rect">
+            <a:avLst/>
+          </a:prstGeom>
+          <a:noFill/>
+          <a:ln>
+            <a:noFill/>
+          </a:ln>
+          <a:extLst>
+            <a:ext uri="{909E8E84-426E-40DD-AFC4-6F175D3DCCD1}">
+              <a14:hiddenFill xmlns:a14="http://schemas.microsoft.com/office/drawing/2010/main">
+                <a:solidFill>
+                  <a:schemeClr val="accent1"/>
+                </a:solidFill>
+              </a14:hiddenFill>
+            </a:ext>
+            <a:ext uri="{91240B29-F687-4F45-9708-019B960494DF}">
+              <a14:hiddenLine xmlns:a14="http://schemas.microsoft.com/office/drawing/2010/main" w="9525">
+                <a:solidFill>
+                  <a:schemeClr val="tx1"/>
+                </a:solidFill>
+                <a:miter lim="800000"/>
+                <a:headEnd/>
+                <a:tailEnd/>
+              </a14:hiddenLine>
+            </a:ext>
+          </a:extLst>
+        </p:spPr>
+      </p:pic>
     </p:spTree>
     <p:extLst>
       <p:ext uri="{BB962C8B-B14F-4D97-AF65-F5344CB8AC3E}">
-        <p14:creationId xmlns:p14="http://schemas.microsoft.com/office/powerpoint/2010/main" val="3895056339"/>
+        <p14:creationId xmlns:p14="http://schemas.microsoft.com/office/powerpoint/2010/main" val="2623855149"/>
       </p:ext>
     </p:extLst>
   </p:cSld>
@@ -4639,69 +5566,62 @@
         </p:nvSpPr>
         <p:spPr/>
         <p:txBody>
-          <a:bodyPr/>
-          <a:lstStyle/>
-          <a:p>
-            <a:r>
-              <a:rPr lang="en-US" dirty="0" smtClean="0"/>
-              <a:t>Bibliography </a:t>
-            </a:r>
-            <a:endParaRPr lang="en-US" dirty="0"/>
-          </a:p>
-        </p:txBody>
-      </p:sp>
-      <p:sp>
-        <p:nvSpPr>
-          <p:cNvPr id="3" name="Content Placeholder 2"/>
-          <p:cNvSpPr>
-            <a:spLocks noGrp="1"/>
-          </p:cNvSpPr>
+          <a:bodyPr>
+            <a:normAutofit fontScale="90000"/>
+          </a:bodyPr>
+          <a:lstStyle/>
+          <a:p>
+            <a:r>
+              <a:rPr lang="en-US" dirty="0" smtClean="0"/>
+              <a:t>Occurrence of Work Interference </a:t>
+            </a:r>
+            <a:endParaRPr lang="en-US" dirty="0"/>
+          </a:p>
+        </p:txBody>
+      </p:sp>
+      <p:pic>
+        <p:nvPicPr>
+          <p:cNvPr id="4098" name="Picture 2"/>
+          <p:cNvPicPr>
+            <a:picLocks noGrp="1" noChangeAspect="1" noChangeArrowheads="1"/>
+          </p:cNvPicPr>
           <p:nvPr>
             <p:ph idx="1"/>
           </p:nvPr>
-        </p:nvSpPr>
-        <p:spPr/>
-        <p:txBody>
-          <a:bodyPr/>
-          <a:lstStyle/>
-          <a:p>
-            <a:r>
-              <a:rPr lang="en-US" dirty="0" smtClean="0"/>
-              <a:t>Data provided by the following sources:</a:t>
-            </a:r>
-          </a:p>
-          <a:p>
-            <a:r>
-              <a:rPr lang="en-US" dirty="0" smtClean="0"/>
-              <a:t>US Bureau of Labor </a:t>
-            </a:r>
-          </a:p>
-          <a:p>
-            <a:r>
-              <a:rPr lang="en-US" dirty="0" smtClean="0"/>
-              <a:t>IN OUT World organization</a:t>
-            </a:r>
-          </a:p>
-          <a:p>
-            <a:r>
-              <a:rPr lang="en-US" dirty="0" smtClean="0"/>
-              <a:t>National Association of Mental Health </a:t>
-            </a:r>
-            <a:endParaRPr lang="en-US" dirty="0" smtClean="0"/>
-          </a:p>
-          <a:p>
-            <a:r>
-              <a:rPr lang="en-US" dirty="0" err="1" smtClean="0"/>
-              <a:t>Kaggle</a:t>
-            </a:r>
-            <a:endParaRPr lang="en-US" dirty="0"/>
-          </a:p>
-        </p:txBody>
-      </p:sp>
+        </p:nvPicPr>
+        <p:blipFill rotWithShape="1">
+          <a:blip r:embed="rId2">
+            <a:extLst>
+              <a:ext uri="{28A0092B-C50C-407E-A947-70E740481C1C}">
+                <a14:useLocalDpi xmlns:a14="http://schemas.microsoft.com/office/drawing/2010/main" val="0"/>
+              </a:ext>
+            </a:extLst>
+          </a:blip>
+          <a:srcRect b="3854"/>
+          <a:stretch/>
+        </p:blipFill>
+        <p:spPr bwMode="auto">
+          <a:xfrm>
+            <a:off x="381000" y="1981200"/>
+            <a:ext cx="6477000" cy="4833849"/>
+          </a:xfrm>
+          <a:prstGeom prst="rect">
+            <a:avLst/>
+          </a:prstGeom>
+          <a:ln>
+            <a:noFill/>
+          </a:ln>
+          <a:effectLst>
+            <a:outerShdw blurRad="50800" dist="50800" dir="5400000" algn="ctr" rotWithShape="0">
+              <a:srgbClr val="000000"/>
+            </a:outerShdw>
+          </a:effectLst>
+        </p:spPr>
+      </p:pic>
     </p:spTree>
     <p:extLst>
       <p:ext uri="{BB962C8B-B14F-4D97-AF65-F5344CB8AC3E}">
-        <p14:creationId xmlns:p14="http://schemas.microsoft.com/office/powerpoint/2010/main" val="1692276959"/>
+        <p14:creationId xmlns:p14="http://schemas.microsoft.com/office/powerpoint/2010/main" val="2582195163"/>
       </p:ext>
     </p:extLst>
   </p:cSld>
